--- a/Fundamentals/Moneyball WP3.pptx
+++ b/Fundamentals/Moneyball WP3.pptx
@@ -10652,6 +10652,9 @@
             </a:r>
             <a:endParaRPr lang="en-US" dirty="0"/>
           </a:p>
+          <a:p>
+            <a:endParaRPr lang="en-US" dirty="0"/>
+          </a:p>
         </p:txBody>
       </p:sp>
     </p:spTree>
